--- a/DataScience_Assignment2_Kerui_Wu.pptx
+++ b/DataScience_Assignment2_Kerui_Wu.pptx
@@ -14,25 +14,23 @@
     <p:sldId id="259" r:id="rId9"/>
     <p:sldId id="260" r:id="rId10"/>
     <p:sldId id="261" r:id="rId11"/>
-    <p:sldId id="262" r:id="rId12"/>
-    <p:sldId id="263" r:id="rId13"/>
   </p:sldIdLst>
   <p:sldSz cy="5143500" cx="9144000"/>
   <p:notesSz cx="6858000" cy="9144000"/>
   <p:embeddedFontLst>
     <p:embeddedFont>
       <p:font typeface="Montserrat"/>
-      <p:regular r:id="rId14"/>
-      <p:bold r:id="rId15"/>
-      <p:italic r:id="rId16"/>
-      <p:boldItalic r:id="rId17"/>
+      <p:regular r:id="rId12"/>
+      <p:bold r:id="rId13"/>
+      <p:italic r:id="rId14"/>
+      <p:boldItalic r:id="rId15"/>
     </p:embeddedFont>
     <p:embeddedFont>
       <p:font typeface="Lato"/>
-      <p:regular r:id="rId18"/>
-      <p:bold r:id="rId19"/>
-      <p:italic r:id="rId20"/>
-      <p:boldItalic r:id="rId21"/>
+      <p:regular r:id="rId16"/>
+      <p:bold r:id="rId17"/>
+      <p:italic r:id="rId18"/>
+      <p:boldItalic r:id="rId19"/>
     </p:embeddedFont>
   </p:embeddedFontLst>
   <p:defaultTextStyle>
@@ -1124,7 +1122,7 @@
       </p:grpSpPr>
       <p:sp>
         <p:nvSpPr>
-          <p:cNvPr id="157" name="Google Shape;157;g284f24e9fae_0_316:notes"/>
+          <p:cNvPr id="157" name="Google Shape;157;g284f24e9fae_0_329:notes"/>
           <p:cNvSpPr/>
           <p:nvPr>
             <p:ph idx="2" type="sldImg"/>
@@ -1159,7 +1157,7 @@
       </p:sp>
       <p:sp>
         <p:nvSpPr>
-          <p:cNvPr id="158" name="Google Shape;158;g284f24e9fae_0_316:notes"/>
+          <p:cNvPr id="158" name="Google Shape;158;g284f24e9fae_0_329:notes"/>
           <p:cNvSpPr txBox="1"/>
           <p:nvPr>
             <p:ph idx="1" type="body"/>
@@ -1223,7 +1221,7 @@
       </p:grpSpPr>
       <p:sp>
         <p:nvSpPr>
-          <p:cNvPr id="163" name="Google Shape;163;g284f24e9fae_0_329:notes"/>
+          <p:cNvPr id="163" name="Google Shape;163;g284f24e9fae_0_322:notes"/>
           <p:cNvSpPr/>
           <p:nvPr>
             <p:ph idx="2" type="sldImg"/>
@@ -1258,205 +1256,7 @@
       </p:sp>
       <p:sp>
         <p:nvSpPr>
-          <p:cNvPr id="164" name="Google Shape;164;g284f24e9fae_0_329:notes"/>
-          <p:cNvSpPr txBox="1"/>
-          <p:nvPr>
-            <p:ph idx="1" type="body"/>
-          </p:nvPr>
-        </p:nvSpPr>
-        <p:spPr>
-          <a:xfrm>
-            <a:off x="685800" y="4343400"/>
-            <a:ext cx="5486400" cy="4114800"/>
-          </a:xfrm>
-          <a:prstGeom prst="rect">
-            <a:avLst/>
-          </a:prstGeom>
-        </p:spPr>
-        <p:txBody>
-          <a:bodyPr anchorCtr="0" anchor="t" bIns="91425" lIns="91425" spcFirstLastPara="1" rIns="91425" wrap="square" tIns="91425">
-            <a:noAutofit/>
-          </a:bodyPr>
-          <a:lstStyle/>
-          <a:p>
-            <a:pPr indent="0" lvl="0" marL="0" rtl="0" algn="l">
-              <a:spcBef>
-                <a:spcPts val="0"/>
-              </a:spcBef>
-              <a:spcAft>
-                <a:spcPts val="0"/>
-              </a:spcAft>
-              <a:buNone/>
-            </a:pPr>
-            <a:r>
-              <a:t/>
-            </a:r>
-            <a:endParaRPr/>
-          </a:p>
-        </p:txBody>
-      </p:sp>
-    </p:spTree>
-  </p:cSld>
-  <p:clrMapOvr>
-    <a:masterClrMapping/>
-  </p:clrMapOvr>
-</p:notes>
-</file>
-
-<file path=ppt/notesSlides/notesSlide7.xml><?xml version="1.0" encoding="utf-8"?>
-<p:notes xmlns:a="http://schemas.openxmlformats.org/drawingml/2006/main" xmlns:r="http://schemas.openxmlformats.org/officeDocument/2006/relationships" xmlns:mc="http://schemas.openxmlformats.org/markup-compatibility/2006" xmlns:mv="urn:schemas-microsoft-com:mac:vml" xmlns:p="http://schemas.openxmlformats.org/presentationml/2006/main" xmlns:c="http://schemas.openxmlformats.org/drawingml/2006/chart" xmlns:dgm="http://schemas.openxmlformats.org/drawingml/2006/diagram" xmlns:o="urn:schemas-microsoft-com:office:office" xmlns:v="urn:schemas-microsoft-com:vml" xmlns:pvml="urn:schemas-microsoft-com:office:powerpoint" xmlns:com="http://schemas.openxmlformats.org/drawingml/2006/compatibility" xmlns:p14="http://schemas.microsoft.com/office/powerpoint/2010/main" xmlns:p15="http://schemas.microsoft.com/office/powerpoint/2012/main" xmlns:ahyp="http://schemas.microsoft.com/office/drawing/2018/hyperlinkcolor" showMasterPhAnim="0" showMasterSp="0">
-  <p:cSld>
-    <p:spTree>
-      <p:nvGrpSpPr>
-        <p:cNvPr id="168" name="Shape 168"/>
-        <p:cNvGrpSpPr/>
-        <p:nvPr/>
-      </p:nvGrpSpPr>
-      <p:grpSpPr>
-        <a:xfrm>
-          <a:off x="0" y="0"/>
-          <a:ext cx="0" cy="0"/>
-          <a:chOff x="0" y="0"/>
-          <a:chExt cx="0" cy="0"/>
-        </a:xfrm>
-      </p:grpSpPr>
-      <p:sp>
-        <p:nvSpPr>
-          <p:cNvPr id="169" name="Google Shape;169;g284f24e9fae_0_336:notes"/>
-          <p:cNvSpPr/>
-          <p:nvPr>
-            <p:ph idx="2" type="sldImg"/>
-          </p:nvPr>
-        </p:nvSpPr>
-        <p:spPr>
-          <a:xfrm>
-            <a:off x="381300" y="685800"/>
-            <a:ext cx="6096000" cy="3429000"/>
-          </a:xfrm>
-          <a:custGeom>
-            <a:rect b="b" l="l" r="r" t="t"/>
-            <a:pathLst>
-              <a:path extrusionOk="0" h="120000" w="120000">
-                <a:moveTo>
-                  <a:pt x="0" y="0"/>
-                </a:moveTo>
-                <a:lnTo>
-                  <a:pt x="120000" y="0"/>
-                </a:lnTo>
-                <a:lnTo>
-                  <a:pt x="120000" y="120000"/>
-                </a:lnTo>
-                <a:lnTo>
-                  <a:pt x="0" y="120000"/>
-                </a:lnTo>
-                <a:close/>
-              </a:path>
-            </a:pathLst>
-          </a:custGeom>
-        </p:spPr>
-      </p:sp>
-      <p:sp>
-        <p:nvSpPr>
-          <p:cNvPr id="170" name="Google Shape;170;g284f24e9fae_0_336:notes"/>
-          <p:cNvSpPr txBox="1"/>
-          <p:nvPr>
-            <p:ph idx="1" type="body"/>
-          </p:nvPr>
-        </p:nvSpPr>
-        <p:spPr>
-          <a:xfrm>
-            <a:off x="685800" y="4343400"/>
-            <a:ext cx="5486400" cy="4114800"/>
-          </a:xfrm>
-          <a:prstGeom prst="rect">
-            <a:avLst/>
-          </a:prstGeom>
-        </p:spPr>
-        <p:txBody>
-          <a:bodyPr anchorCtr="0" anchor="t" bIns="91425" lIns="91425" spcFirstLastPara="1" rIns="91425" wrap="square" tIns="91425">
-            <a:noAutofit/>
-          </a:bodyPr>
-          <a:lstStyle/>
-          <a:p>
-            <a:pPr indent="0" lvl="0" marL="0" rtl="0" algn="l">
-              <a:spcBef>
-                <a:spcPts val="0"/>
-              </a:spcBef>
-              <a:spcAft>
-                <a:spcPts val="0"/>
-              </a:spcAft>
-              <a:buNone/>
-            </a:pPr>
-            <a:r>
-              <a:t/>
-            </a:r>
-            <a:endParaRPr/>
-          </a:p>
-        </p:txBody>
-      </p:sp>
-    </p:spTree>
-  </p:cSld>
-  <p:clrMapOvr>
-    <a:masterClrMapping/>
-  </p:clrMapOvr>
-</p:notes>
-</file>
-
-<file path=ppt/notesSlides/notesSlide8.xml><?xml version="1.0" encoding="utf-8"?>
-<p:notes xmlns:a="http://schemas.openxmlformats.org/drawingml/2006/main" xmlns:r="http://schemas.openxmlformats.org/officeDocument/2006/relationships" xmlns:mc="http://schemas.openxmlformats.org/markup-compatibility/2006" xmlns:mv="urn:schemas-microsoft-com:mac:vml" xmlns:p="http://schemas.openxmlformats.org/presentationml/2006/main" xmlns:c="http://schemas.openxmlformats.org/drawingml/2006/chart" xmlns:dgm="http://schemas.openxmlformats.org/drawingml/2006/diagram" xmlns:o="urn:schemas-microsoft-com:office:office" xmlns:v="urn:schemas-microsoft-com:vml" xmlns:pvml="urn:schemas-microsoft-com:office:powerpoint" xmlns:com="http://schemas.openxmlformats.org/drawingml/2006/compatibility" xmlns:p14="http://schemas.microsoft.com/office/powerpoint/2010/main" xmlns:p15="http://schemas.microsoft.com/office/powerpoint/2012/main" xmlns:ahyp="http://schemas.microsoft.com/office/drawing/2018/hyperlinkcolor" showMasterPhAnim="0" showMasterSp="0">
-  <p:cSld>
-    <p:spTree>
-      <p:nvGrpSpPr>
-        <p:cNvPr id="175" name="Shape 175"/>
-        <p:cNvGrpSpPr/>
-        <p:nvPr/>
-      </p:nvGrpSpPr>
-      <p:grpSpPr>
-        <a:xfrm>
-          <a:off x="0" y="0"/>
-          <a:ext cx="0" cy="0"/>
-          <a:chOff x="0" y="0"/>
-          <a:chExt cx="0" cy="0"/>
-        </a:xfrm>
-      </p:grpSpPr>
-      <p:sp>
-        <p:nvSpPr>
-          <p:cNvPr id="176" name="Google Shape;176;g284f24e9fae_0_322:notes"/>
-          <p:cNvSpPr/>
-          <p:nvPr>
-            <p:ph idx="2" type="sldImg"/>
-          </p:nvPr>
-        </p:nvSpPr>
-        <p:spPr>
-          <a:xfrm>
-            <a:off x="381300" y="685800"/>
-            <a:ext cx="6096000" cy="3429000"/>
-          </a:xfrm>
-          <a:custGeom>
-            <a:rect b="b" l="l" r="r" t="t"/>
-            <a:pathLst>
-              <a:path extrusionOk="0" h="120000" w="120000">
-                <a:moveTo>
-                  <a:pt x="0" y="0"/>
-                </a:moveTo>
-                <a:lnTo>
-                  <a:pt x="120000" y="0"/>
-                </a:lnTo>
-                <a:lnTo>
-                  <a:pt x="120000" y="120000"/>
-                </a:lnTo>
-                <a:lnTo>
-                  <a:pt x="0" y="120000"/>
-                </a:lnTo>
-                <a:close/>
-              </a:path>
-            </a:pathLst>
-          </a:custGeom>
-        </p:spPr>
-      </p:sp>
-      <p:sp>
-        <p:nvSpPr>
-          <p:cNvPr id="177" name="Google Shape;177;g284f24e9fae_0_322:notes"/>
+          <p:cNvPr id="164" name="Google Shape;164;g284f24e9fae_0_322:notes"/>
           <p:cNvSpPr txBox="1"/>
           <p:nvPr>
             <p:ph idx="1" type="body"/>
@@ -10381,40 +10181,148 @@
             </a:pPr>
             <a:r>
               <a:rPr lang="zh-CN"/>
-              <a:t>Data Format</a:t>
+              <a:t>Data Sample</a:t>
             </a:r>
             <a:endParaRPr/>
           </a:p>
         </p:txBody>
       </p:sp>
-      <p:pic>
-        <p:nvPicPr>
+      <p:sp>
+        <p:nvSpPr>
           <p:cNvPr id="161" name="Google Shape;161;p17"/>
-          <p:cNvPicPr preferRelativeResize="0"/>
-          <p:nvPr/>
-        </p:nvPicPr>
-        <p:blipFill>
-          <a:blip r:embed="rId3">
-            <a:alphaModFix/>
-          </a:blip>
-          <a:stretch>
-            <a:fillRect/>
-          </a:stretch>
-        </p:blipFill>
+          <p:cNvSpPr txBox="1"/>
+          <p:nvPr>
+            <p:ph idx="1" type="body"/>
+          </p:nvPr>
+        </p:nvSpPr>
         <p:spPr>
           <a:xfrm>
-            <a:off x="1297500" y="1260725"/>
-            <a:ext cx="3538250" cy="3684325"/>
+            <a:off x="1297500" y="1567550"/>
+            <a:ext cx="7038900" cy="3258000"/>
           </a:xfrm>
           <a:prstGeom prst="rect">
             <a:avLst/>
           </a:prstGeom>
-          <a:noFill/>
-          <a:ln>
-            <a:noFill/>
-          </a:ln>
         </p:spPr>
-      </p:pic>
+        <p:txBody>
+          <a:bodyPr anchorCtr="0" anchor="t" bIns="91425" lIns="91425" spcFirstLastPara="1" rIns="91425" wrap="square" tIns="91425">
+            <a:normAutofit/>
+          </a:bodyPr>
+          <a:lstStyle/>
+          <a:p>
+            <a:pPr indent="0" lvl="0" marL="0" rtl="0" algn="l">
+              <a:spcBef>
+                <a:spcPts val="0"/>
+              </a:spcBef>
+              <a:spcAft>
+                <a:spcPts val="0"/>
+              </a:spcAft>
+              <a:buNone/>
+            </a:pPr>
+            <a:r>
+              <a:rPr lang="zh-CN"/>
+              <a:t>“Monday”: {“8:00 a.m”: {“count”: 33, “majors”: {</a:t>
+            </a:r>
+            <a:endParaRPr/>
+          </a:p>
+          <a:p>
+            <a:pPr indent="0" lvl="0" marL="457200" rtl="0" algn="l">
+              <a:spcBef>
+                <a:spcPts val="1200"/>
+              </a:spcBef>
+              <a:spcAft>
+                <a:spcPts val="0"/>
+              </a:spcAft>
+              <a:buNone/>
+            </a:pPr>
+            <a:r>
+              <a:rPr lang="zh-CN"/>
+              <a:t>“ENGR”: {</a:t>
+            </a:r>
+            <a:endParaRPr/>
+          </a:p>
+          <a:p>
+            <a:pPr indent="0" lvl="0" marL="457200" rtl="0" algn="l">
+              <a:spcBef>
+                <a:spcPts val="1200"/>
+              </a:spcBef>
+              <a:spcAft>
+                <a:spcPts val="0"/>
+              </a:spcAft>
+              <a:buNone/>
+            </a:pPr>
+            <a:r>
+              <a:rPr lang="zh-CN"/>
+              <a:t>	"count": 7,</a:t>
+            </a:r>
+            <a:endParaRPr/>
+          </a:p>
+          <a:p>
+            <a:pPr indent="0" lvl="0" marL="457200" rtl="0" algn="l">
+              <a:spcBef>
+                <a:spcPts val="1200"/>
+              </a:spcBef>
+              <a:spcAft>
+                <a:spcPts val="0"/>
+              </a:spcAft>
+              <a:buNone/>
+            </a:pPr>
+            <a:r>
+              <a:rPr lang="zh-CN"/>
+              <a:t>              "courses": ["ENGR4760", "ENGR1100","ENGR2050","ENGR2530", "ENGR2090", </a:t>
+            </a:r>
+            <a:endParaRPr/>
+          </a:p>
+          <a:p>
+            <a:pPr indent="0" lvl="0" marL="1371600" rtl="0" algn="l">
+              <a:spcBef>
+                <a:spcPts val="1200"/>
+              </a:spcBef>
+              <a:spcAft>
+                <a:spcPts val="0"/>
+              </a:spcAft>
+              <a:buNone/>
+            </a:pPr>
+            <a:r>
+              <a:rPr lang="zh-CN"/>
+              <a:t>          "ENGR2300", "ENGR2600"]</a:t>
+            </a:r>
+            <a:endParaRPr/>
+          </a:p>
+          <a:p>
+            <a:pPr indent="0" lvl="0" marL="457200" rtl="0" algn="l">
+              <a:spcBef>
+                <a:spcPts val="1200"/>
+              </a:spcBef>
+              <a:spcAft>
+                <a:spcPts val="0"/>
+              </a:spcAft>
+              <a:buNone/>
+            </a:pPr>
+            <a:r>
+              <a:rPr lang="zh-CN"/>
+              <a:t>}, “MATH”: {“count”: 5, …}, “MGMT”: {“count”: 3, …}, “PHYS”: {“count”: 2}, …</a:t>
+            </a:r>
+            <a:endParaRPr/>
+          </a:p>
+          <a:p>
+            <a:pPr indent="0" lvl="0" marL="0" rtl="0" algn="l">
+              <a:spcBef>
+                <a:spcPts val="1200"/>
+              </a:spcBef>
+              <a:spcAft>
+                <a:spcPts val="1200"/>
+              </a:spcAft>
+              <a:buNone/>
+            </a:pPr>
+            <a:r>
+              <a:rPr lang="zh-CN"/>
+              <a:t>}}}</a:t>
+            </a:r>
+            <a:endParaRPr/>
+          </a:p>
+        </p:txBody>
+      </p:sp>
     </p:spTree>
   </p:cSld>
   <p:clrMapOvr>
@@ -10474,7 +10382,7 @@
             </a:pPr>
             <a:r>
               <a:rPr lang="zh-CN"/>
-              <a:t>Data Sample</a:t>
+              <a:t>Data Storage</a:t>
             </a:r>
             <a:endParaRPr/>
           </a:p>
@@ -10483,328 +10391,6 @@
       <p:sp>
         <p:nvSpPr>
           <p:cNvPr id="167" name="Google Shape;167;p18"/>
-          <p:cNvSpPr txBox="1"/>
-          <p:nvPr>
-            <p:ph idx="1" type="body"/>
-          </p:nvPr>
-        </p:nvSpPr>
-        <p:spPr>
-          <a:xfrm>
-            <a:off x="1297500" y="1567550"/>
-            <a:ext cx="7038900" cy="3258000"/>
-          </a:xfrm>
-          <a:prstGeom prst="rect">
-            <a:avLst/>
-          </a:prstGeom>
-        </p:spPr>
-        <p:txBody>
-          <a:bodyPr anchorCtr="0" anchor="t" bIns="91425" lIns="91425" spcFirstLastPara="1" rIns="91425" wrap="square" tIns="91425">
-            <a:normAutofit/>
-          </a:bodyPr>
-          <a:lstStyle/>
-          <a:p>
-            <a:pPr indent="0" lvl="0" marL="0" rtl="0" algn="l">
-              <a:spcBef>
-                <a:spcPts val="0"/>
-              </a:spcBef>
-              <a:spcAft>
-                <a:spcPts val="0"/>
-              </a:spcAft>
-              <a:buNone/>
-            </a:pPr>
-            <a:r>
-              <a:rPr lang="zh-CN"/>
-              <a:t>“Monday”: {“8:00 a.m”: {“count”: 33, “majors”: {</a:t>
-            </a:r>
-            <a:endParaRPr/>
-          </a:p>
-          <a:p>
-            <a:pPr indent="0" lvl="0" marL="457200" rtl="0" algn="l">
-              <a:spcBef>
-                <a:spcPts val="1200"/>
-              </a:spcBef>
-              <a:spcAft>
-                <a:spcPts val="0"/>
-              </a:spcAft>
-              <a:buNone/>
-            </a:pPr>
-            <a:r>
-              <a:rPr lang="zh-CN"/>
-              <a:t>“ENGR”: {</a:t>
-            </a:r>
-            <a:endParaRPr/>
-          </a:p>
-          <a:p>
-            <a:pPr indent="0" lvl="0" marL="457200" rtl="0" algn="l">
-              <a:spcBef>
-                <a:spcPts val="1200"/>
-              </a:spcBef>
-              <a:spcAft>
-                <a:spcPts val="0"/>
-              </a:spcAft>
-              <a:buNone/>
-            </a:pPr>
-            <a:r>
-              <a:rPr lang="zh-CN"/>
-              <a:t>	"count": 7,</a:t>
-            </a:r>
-            <a:endParaRPr/>
-          </a:p>
-          <a:p>
-            <a:pPr indent="0" lvl="0" marL="457200" rtl="0" algn="l">
-              <a:spcBef>
-                <a:spcPts val="1200"/>
-              </a:spcBef>
-              <a:spcAft>
-                <a:spcPts val="0"/>
-              </a:spcAft>
-              <a:buNone/>
-            </a:pPr>
-            <a:r>
-              <a:rPr lang="zh-CN"/>
-              <a:t>              "courses": ["ENGR4760", "ENGR1100","ENGR2050","ENGR2530", "ENGR2090", </a:t>
-            </a:r>
-            <a:endParaRPr/>
-          </a:p>
-          <a:p>
-            <a:pPr indent="0" lvl="0" marL="1371600" rtl="0" algn="l">
-              <a:spcBef>
-                <a:spcPts val="1200"/>
-              </a:spcBef>
-              <a:spcAft>
-                <a:spcPts val="0"/>
-              </a:spcAft>
-              <a:buNone/>
-            </a:pPr>
-            <a:r>
-              <a:rPr lang="zh-CN"/>
-              <a:t>          "ENGR2300", "ENGR2600"]</a:t>
-            </a:r>
-            <a:endParaRPr/>
-          </a:p>
-          <a:p>
-            <a:pPr indent="0" lvl="0" marL="457200" rtl="0" algn="l">
-              <a:spcBef>
-                <a:spcPts val="1200"/>
-              </a:spcBef>
-              <a:spcAft>
-                <a:spcPts val="0"/>
-              </a:spcAft>
-              <a:buNone/>
-            </a:pPr>
-            <a:r>
-              <a:rPr lang="zh-CN"/>
-              <a:t>}, “MATH”: {“count”: 5, …}, “MGMT”: {“count”: 3, …}, “PHYS”: {“count”: 2}, …</a:t>
-            </a:r>
-            <a:endParaRPr/>
-          </a:p>
-          <a:p>
-            <a:pPr indent="0" lvl="0" marL="0" rtl="0" algn="l">
-              <a:spcBef>
-                <a:spcPts val="1200"/>
-              </a:spcBef>
-              <a:spcAft>
-                <a:spcPts val="1200"/>
-              </a:spcAft>
-              <a:buNone/>
-            </a:pPr>
-            <a:r>
-              <a:rPr lang="zh-CN"/>
-              <a:t>}}}</a:t>
-            </a:r>
-            <a:endParaRPr/>
-          </a:p>
-        </p:txBody>
-      </p:sp>
-    </p:spTree>
-  </p:cSld>
-  <p:clrMapOvr>
-    <a:masterClrMapping/>
-  </p:clrMapOvr>
-</p:sld>
-</file>
-
-<file path=ppt/slides/slide7.xml><?xml version="1.0" encoding="utf-8"?>
-<p:sld xmlns:a="http://schemas.openxmlformats.org/drawingml/2006/main" xmlns:r="http://schemas.openxmlformats.org/officeDocument/2006/relationships" xmlns:mc="http://schemas.openxmlformats.org/markup-compatibility/2006" xmlns:mv="urn:schemas-microsoft-com:mac:vml" xmlns:p="http://schemas.openxmlformats.org/presentationml/2006/main" xmlns:c="http://schemas.openxmlformats.org/drawingml/2006/chart" xmlns:dgm="http://schemas.openxmlformats.org/drawingml/2006/diagram" xmlns:o="urn:schemas-microsoft-com:office:office" xmlns:v="urn:schemas-microsoft-com:vml" xmlns:pvml="urn:schemas-microsoft-com:office:powerpoint" xmlns:com="http://schemas.openxmlformats.org/drawingml/2006/compatibility" xmlns:p14="http://schemas.microsoft.com/office/powerpoint/2010/main" xmlns:p15="http://schemas.microsoft.com/office/powerpoint/2012/main" xmlns:ahyp="http://schemas.microsoft.com/office/drawing/2018/hyperlinkcolor">
-  <p:cSld>
-    <p:spTree>
-      <p:nvGrpSpPr>
-        <p:cNvPr id="171" name="Shape 171"/>
-        <p:cNvGrpSpPr/>
-        <p:nvPr/>
-      </p:nvGrpSpPr>
-      <p:grpSpPr>
-        <a:xfrm>
-          <a:off x="0" y="0"/>
-          <a:ext cx="0" cy="0"/>
-          <a:chOff x="0" y="0"/>
-          <a:chExt cx="0" cy="0"/>
-        </a:xfrm>
-      </p:grpSpPr>
-      <p:sp>
-        <p:nvSpPr>
-          <p:cNvPr id="172" name="Google Shape;172;p19"/>
-          <p:cNvSpPr txBox="1"/>
-          <p:nvPr>
-            <p:ph type="title"/>
-          </p:nvPr>
-        </p:nvSpPr>
-        <p:spPr>
-          <a:xfrm>
-            <a:off x="1297500" y="393750"/>
-            <a:ext cx="7038900" cy="914100"/>
-          </a:xfrm>
-          <a:prstGeom prst="rect">
-            <a:avLst/>
-          </a:prstGeom>
-        </p:spPr>
-        <p:txBody>
-          <a:bodyPr anchorCtr="0" anchor="t" bIns="91425" lIns="91425" spcFirstLastPara="1" rIns="91425" wrap="square" tIns="91425">
-            <a:normAutofit/>
-          </a:bodyPr>
-          <a:lstStyle/>
-          <a:p>
-            <a:pPr indent="0" lvl="0" marL="0" rtl="0" algn="l">
-              <a:spcBef>
-                <a:spcPts val="0"/>
-              </a:spcBef>
-              <a:spcAft>
-                <a:spcPts val="0"/>
-              </a:spcAft>
-              <a:buNone/>
-            </a:pPr>
-            <a:r>
-              <a:rPr lang="zh-CN"/>
-              <a:t>Data Sample</a:t>
-            </a:r>
-            <a:endParaRPr/>
-          </a:p>
-        </p:txBody>
-      </p:sp>
-      <p:pic>
-        <p:nvPicPr>
-          <p:cNvPr id="173" name="Google Shape;173;p19"/>
-          <p:cNvPicPr preferRelativeResize="0"/>
-          <p:nvPr/>
-        </p:nvPicPr>
-        <p:blipFill>
-          <a:blip r:embed="rId3">
-            <a:alphaModFix/>
-          </a:blip>
-          <a:stretch>
-            <a:fillRect/>
-          </a:stretch>
-        </p:blipFill>
-        <p:spPr>
-          <a:xfrm>
-            <a:off x="1297500" y="1974538"/>
-            <a:ext cx="7038900" cy="438526"/>
-          </a:xfrm>
-          <a:prstGeom prst="rect">
-            <a:avLst/>
-          </a:prstGeom>
-          <a:noFill/>
-          <a:ln>
-            <a:noFill/>
-          </a:ln>
-        </p:spPr>
-      </p:pic>
-      <p:pic>
-        <p:nvPicPr>
-          <p:cNvPr id="174" name="Google Shape;174;p19"/>
-          <p:cNvPicPr preferRelativeResize="0"/>
-          <p:nvPr/>
-        </p:nvPicPr>
-        <p:blipFill>
-          <a:blip r:embed="rId4">
-            <a:alphaModFix/>
-          </a:blip>
-          <a:stretch>
-            <a:fillRect/>
-          </a:stretch>
-        </p:blipFill>
-        <p:spPr>
-          <a:xfrm>
-            <a:off x="1281675" y="3079775"/>
-            <a:ext cx="7070549" cy="327550"/>
-          </a:xfrm>
-          <a:prstGeom prst="rect">
-            <a:avLst/>
-          </a:prstGeom>
-          <a:noFill/>
-          <a:ln>
-            <a:noFill/>
-          </a:ln>
-        </p:spPr>
-      </p:pic>
-    </p:spTree>
-  </p:cSld>
-  <p:clrMapOvr>
-    <a:masterClrMapping/>
-  </p:clrMapOvr>
-</p:sld>
-</file>
-
-<file path=ppt/slides/slide8.xml><?xml version="1.0" encoding="utf-8"?>
-<p:sld xmlns:a="http://schemas.openxmlformats.org/drawingml/2006/main" xmlns:r="http://schemas.openxmlformats.org/officeDocument/2006/relationships" xmlns:mc="http://schemas.openxmlformats.org/markup-compatibility/2006" xmlns:mv="urn:schemas-microsoft-com:mac:vml" xmlns:p="http://schemas.openxmlformats.org/presentationml/2006/main" xmlns:c="http://schemas.openxmlformats.org/drawingml/2006/chart" xmlns:dgm="http://schemas.openxmlformats.org/drawingml/2006/diagram" xmlns:o="urn:schemas-microsoft-com:office:office" xmlns:v="urn:schemas-microsoft-com:vml" xmlns:pvml="urn:schemas-microsoft-com:office:powerpoint" xmlns:com="http://schemas.openxmlformats.org/drawingml/2006/compatibility" xmlns:p14="http://schemas.microsoft.com/office/powerpoint/2010/main" xmlns:p15="http://schemas.microsoft.com/office/powerpoint/2012/main" xmlns:ahyp="http://schemas.microsoft.com/office/drawing/2018/hyperlinkcolor">
-  <p:cSld>
-    <p:spTree>
-      <p:nvGrpSpPr>
-        <p:cNvPr id="178" name="Shape 178"/>
-        <p:cNvGrpSpPr/>
-        <p:nvPr/>
-      </p:nvGrpSpPr>
-      <p:grpSpPr>
-        <a:xfrm>
-          <a:off x="0" y="0"/>
-          <a:ext cx="0" cy="0"/>
-          <a:chOff x="0" y="0"/>
-          <a:chExt cx="0" cy="0"/>
-        </a:xfrm>
-      </p:grpSpPr>
-      <p:sp>
-        <p:nvSpPr>
-          <p:cNvPr id="179" name="Google Shape;179;p20"/>
-          <p:cNvSpPr txBox="1"/>
-          <p:nvPr>
-            <p:ph type="title"/>
-          </p:nvPr>
-        </p:nvSpPr>
-        <p:spPr>
-          <a:xfrm>
-            <a:off x="1297500" y="393750"/>
-            <a:ext cx="7038900" cy="914100"/>
-          </a:xfrm>
-          <a:prstGeom prst="rect">
-            <a:avLst/>
-          </a:prstGeom>
-        </p:spPr>
-        <p:txBody>
-          <a:bodyPr anchorCtr="0" anchor="t" bIns="91425" lIns="91425" spcFirstLastPara="1" rIns="91425" wrap="square" tIns="91425">
-            <a:normAutofit/>
-          </a:bodyPr>
-          <a:lstStyle/>
-          <a:p>
-            <a:pPr indent="0" lvl="0" marL="0" rtl="0" algn="l">
-              <a:spcBef>
-                <a:spcPts val="0"/>
-              </a:spcBef>
-              <a:spcAft>
-                <a:spcPts val="0"/>
-              </a:spcAft>
-              <a:buNone/>
-            </a:pPr>
-            <a:r>
-              <a:rPr lang="zh-CN"/>
-              <a:t>Data Storage</a:t>
-            </a:r>
-            <a:endParaRPr/>
-          </a:p>
-        </p:txBody>
-      </p:sp>
-      <p:sp>
-        <p:nvSpPr>
-          <p:cNvPr id="180" name="Google Shape;180;p20"/>
           <p:cNvSpPr txBox="1"/>
           <p:nvPr>
             <p:ph idx="1" type="body"/>
@@ -10950,7 +10536,7 @@
       </p:sp>
       <p:pic>
         <p:nvPicPr>
-          <p:cNvPr id="181" name="Google Shape;181;p20"/>
+          <p:cNvPr id="168" name="Google Shape;168;p18"/>
           <p:cNvPicPr preferRelativeResize="0"/>
           <p:nvPr/>
         </p:nvPicPr>
